--- a/public/pdf/demo.pptx
+++ b/public/pdf/demo.pptx
@@ -6,8 +6,11 @@
   </p:sldMasterIdLst>
   <p:sldIdLst>
     <p:sldId id="258" r:id="rId2"/>
-    <p:sldId id="259" r:id="rId3"/>
-    <p:sldId id="260" r:id="rId4"/>
+    <p:sldId id="263" r:id="rId3"/>
+    <p:sldId id="259" r:id="rId4"/>
+    <p:sldId id="260" r:id="rId5"/>
+    <p:sldId id="261" r:id="rId6"/>
+    <p:sldId id="262" r:id="rId7"/>
   </p:sldIdLst>
   <p:sldSz cx="18288000" cy="10972800"/>
   <p:notesSz cx="6858000" cy="9144000"/>
@@ -3220,6 +3223,113 @@
 <file path=ppt/slides/slide2.xml><?xml version="1.0" encoding="utf-8"?>
 <p:sld xmlns:a="http://schemas.openxmlformats.org/drawingml/2006/main" xmlns:r="http://schemas.openxmlformats.org/officeDocument/2006/relationships" xmlns:p="http://schemas.openxmlformats.org/presentationml/2006/main">
   <p:cSld>
+    <p:bg>
+      <p:bgPr>
+        <a:solidFill>
+          <a:srgbClr val="3366FF"/>
+        </a:solidFill>
+        <a:effectLst/>
+      </p:bgPr>
+    </p:bg>
+    <p:spTree>
+      <p:nvGrpSpPr>
+        <p:cNvPr id="1" name=""/>
+        <p:cNvGrpSpPr/>
+        <p:nvPr/>
+      </p:nvGrpSpPr>
+      <p:grpSpPr>
+        <a:xfrm>
+          <a:off x="0" y="0"/>
+          <a:ext cx="0" cy="0"/>
+          <a:chOff x="0" y="0"/>
+          <a:chExt cx="0" cy="0"/>
+        </a:xfrm>
+      </p:grpSpPr>
+      <p:pic>
+        <p:nvPicPr>
+          <p:cNvPr id="4" name="Picture 3" descr="sbsw_bigclasses.png"/>
+          <p:cNvPicPr>
+            <a:picLocks noChangeAspect="1"/>
+          </p:cNvPicPr>
+          <p:nvPr/>
+        </p:nvPicPr>
+        <p:blipFill>
+          <a:blip r:embed="rId2">
+            <a:extLst>
+              <a:ext uri="{28A0092B-C50C-407E-A947-70E740481C1C}">
+                <a14:useLocalDpi xmlns:a14="http://schemas.microsoft.com/office/drawing/2010/main" val="0"/>
+              </a:ext>
+            </a:extLst>
+          </a:blip>
+          <a:stretch>
+            <a:fillRect/>
+          </a:stretch>
+        </p:blipFill>
+        <p:spPr>
+          <a:xfrm>
+            <a:off x="2259623" y="748437"/>
+            <a:ext cx="13605607" cy="11338006"/>
+          </a:xfrm>
+          <a:prstGeom prst="rect">
+            <a:avLst/>
+          </a:prstGeom>
+        </p:spPr>
+      </p:pic>
+      <p:sp>
+        <p:nvSpPr>
+          <p:cNvPr id="5" name="TextBox 4"/>
+          <p:cNvSpPr txBox="1"/>
+          <p:nvPr/>
+        </p:nvSpPr>
+        <p:spPr>
+          <a:xfrm>
+            <a:off x="3477845" y="148272"/>
+            <a:ext cx="11293231" cy="1200329"/>
+          </a:xfrm>
+          <a:prstGeom prst="rect">
+            <a:avLst/>
+          </a:prstGeom>
+          <a:noFill/>
+        </p:spPr>
+        <p:txBody>
+          <a:bodyPr wrap="square" rtlCol="0">
+            <a:spAutoFit/>
+          </a:bodyPr>
+          <a:lstStyle/>
+          <a:p>
+            <a:pPr algn="ctr"/>
+            <a:r>
+              <a:rPr lang="en-US" sz="7200" dirty="0" smtClean="0">
+                <a:solidFill>
+                  <a:schemeClr val="bg1"/>
+                </a:solidFill>
+              </a:rPr>
+              <a:t>How Big?</a:t>
+            </a:r>
+            <a:endParaRPr lang="en-US" sz="7200" dirty="0">
+              <a:solidFill>
+                <a:schemeClr val="bg1"/>
+              </a:solidFill>
+            </a:endParaRPr>
+          </a:p>
+        </p:txBody>
+      </p:sp>
+    </p:spTree>
+    <p:extLst>
+      <p:ext uri="{BB962C8B-B14F-4D97-AF65-F5344CB8AC3E}">
+        <p14:creationId xmlns:p14="http://schemas.microsoft.com/office/powerpoint/2010/main" val="1011947894"/>
+      </p:ext>
+    </p:extLst>
+  </p:cSld>
+  <p:clrMapOvr>
+    <a:masterClrMapping/>
+  </p:clrMapOvr>
+</p:sld>
+</file>
+
+<file path=ppt/slides/slide3.xml><?xml version="1.0" encoding="utf-8"?>
+<p:sld xmlns:a="http://schemas.openxmlformats.org/drawingml/2006/main" xmlns:r="http://schemas.openxmlformats.org/officeDocument/2006/relationships" xmlns:p="http://schemas.openxmlformats.org/presentationml/2006/main">
+  <p:cSld>
     <p:spTree>
       <p:nvGrpSpPr>
         <p:cNvPr id="1" name=""/>
@@ -3344,7 +3454,7 @@
 </p:sld>
 </file>
 
-<file path=ppt/slides/slide3.xml><?xml version="1.0" encoding="utf-8"?>
+<file path=ppt/slides/slide4.xml><?xml version="1.0" encoding="utf-8"?>
 <p:sld xmlns:a="http://schemas.openxmlformats.org/drawingml/2006/main" xmlns:r="http://schemas.openxmlformats.org/officeDocument/2006/relationships" xmlns:p="http://schemas.openxmlformats.org/presentationml/2006/main">
   <p:cSld>
     <p:spTree>
@@ -3496,6 +3606,144 @@
       </p:par>
     </p:tnLst>
   </p:timing>
+</p:sld>
+</file>
+
+<file path=ppt/slides/slide5.xml><?xml version="1.0" encoding="utf-8"?>
+<p:sld xmlns:a="http://schemas.openxmlformats.org/drawingml/2006/main" xmlns:r="http://schemas.openxmlformats.org/officeDocument/2006/relationships" xmlns:p="http://schemas.openxmlformats.org/presentationml/2006/main">
+  <p:cSld>
+    <p:bg>
+      <p:bgPr>
+        <a:solidFill>
+          <a:srgbClr val="42D44C"/>
+        </a:solidFill>
+        <a:effectLst/>
+      </p:bgPr>
+    </p:bg>
+    <p:spTree>
+      <p:nvGrpSpPr>
+        <p:cNvPr id="1" name=""/>
+        <p:cNvGrpSpPr/>
+        <p:nvPr/>
+      </p:nvGrpSpPr>
+      <p:grpSpPr>
+        <a:xfrm>
+          <a:off x="0" y="0"/>
+          <a:ext cx="0" cy="0"/>
+          <a:chOff x="0" y="0"/>
+          <a:chExt cx="0" cy="0"/>
+        </a:xfrm>
+      </p:grpSpPr>
+      <p:pic>
+        <p:nvPicPr>
+          <p:cNvPr id="5" name="Picture 4" descr="FullScreenIpad.png"/>
+          <p:cNvPicPr>
+            <a:picLocks noChangeAspect="1"/>
+          </p:cNvPicPr>
+          <p:nvPr/>
+        </p:nvPicPr>
+        <p:blipFill>
+          <a:blip r:embed="rId2">
+            <a:extLst>
+              <a:ext uri="{28A0092B-C50C-407E-A947-70E740481C1C}">
+                <a14:useLocalDpi xmlns:a14="http://schemas.microsoft.com/office/drawing/2010/main" val="0"/>
+              </a:ext>
+            </a:extLst>
+          </a:blip>
+          <a:stretch>
+            <a:fillRect/>
+          </a:stretch>
+        </p:blipFill>
+        <p:spPr>
+          <a:xfrm>
+            <a:off x="2696308" y="1387167"/>
+            <a:ext cx="12380735" cy="8374431"/>
+          </a:xfrm>
+          <a:prstGeom prst="rect">
+            <a:avLst/>
+          </a:prstGeom>
+        </p:spPr>
+      </p:pic>
+    </p:spTree>
+    <p:extLst>
+      <p:ext uri="{BB962C8B-B14F-4D97-AF65-F5344CB8AC3E}">
+        <p14:creationId xmlns:p14="http://schemas.microsoft.com/office/powerpoint/2010/main" val="313015274"/>
+      </p:ext>
+    </p:extLst>
+  </p:cSld>
+  <p:clrMapOvr>
+    <a:masterClrMapping/>
+  </p:clrMapOvr>
+</p:sld>
+</file>
+
+<file path=ppt/slides/slide6.xml><?xml version="1.0" encoding="utf-8"?>
+<p:sld xmlns:a="http://schemas.openxmlformats.org/drawingml/2006/main" xmlns:r="http://schemas.openxmlformats.org/officeDocument/2006/relationships" xmlns:p="http://schemas.openxmlformats.org/presentationml/2006/main">
+  <p:cSld>
+    <p:bg>
+      <p:bgPr>
+        <a:solidFill>
+          <a:schemeClr val="accent4">
+            <a:lumMod val="75000"/>
+          </a:schemeClr>
+        </a:solidFill>
+        <a:effectLst/>
+      </p:bgPr>
+    </p:bg>
+    <p:spTree>
+      <p:nvGrpSpPr>
+        <p:cNvPr id="1" name=""/>
+        <p:cNvGrpSpPr/>
+        <p:nvPr/>
+      </p:nvGrpSpPr>
+      <p:grpSpPr>
+        <a:xfrm>
+          <a:off x="0" y="0"/>
+          <a:ext cx="0" cy="0"/>
+          <a:chOff x="0" y="0"/>
+          <a:chExt cx="0" cy="0"/>
+        </a:xfrm>
+      </p:grpSpPr>
+      <p:pic>
+        <p:nvPicPr>
+          <p:cNvPr id="4" name="Picture 3" descr="followalong-pricing.png"/>
+          <p:cNvPicPr>
+            <a:picLocks noChangeAspect="1"/>
+          </p:cNvPicPr>
+          <p:nvPr/>
+        </p:nvPicPr>
+        <p:blipFill>
+          <a:blip r:embed="rId2">
+            <a:extLst>
+              <a:ext uri="{28A0092B-C50C-407E-A947-70E740481C1C}">
+                <a14:useLocalDpi xmlns:a14="http://schemas.microsoft.com/office/drawing/2010/main" val="0"/>
+              </a:ext>
+            </a:extLst>
+          </a:blip>
+          <a:stretch>
+            <a:fillRect/>
+          </a:stretch>
+        </p:blipFill>
+        <p:spPr>
+          <a:xfrm>
+            <a:off x="2053740" y="1692071"/>
+            <a:ext cx="14188583" cy="7002158"/>
+          </a:xfrm>
+          <a:prstGeom prst="rect">
+            <a:avLst/>
+          </a:prstGeom>
+        </p:spPr>
+      </p:pic>
+    </p:spTree>
+    <p:extLst>
+      <p:ext uri="{BB962C8B-B14F-4D97-AF65-F5344CB8AC3E}">
+        <p14:creationId xmlns:p14="http://schemas.microsoft.com/office/powerpoint/2010/main" val="47791730"/>
+      </p:ext>
+    </p:extLst>
+  </p:cSld>
+  <p:clrMapOvr>
+    <a:masterClrMapping/>
+  </p:clrMapOvr>
 </p:sld>
 </file>
 

--- a/public/pdf/demo.pptx
+++ b/public/pdf/demo.pptx
@@ -3706,7 +3706,7 @@
       </p:grpSpPr>
       <p:pic>
         <p:nvPicPr>
-          <p:cNvPr id="4" name="Picture 3" descr="followalong-pricing.png"/>
+          <p:cNvPr id="6" name="Picture 5" descr="gfhdjhkgjk.png"/>
           <p:cNvPicPr>
             <a:picLocks noChangeAspect="1"/>
           </p:cNvPicPr>
@@ -3726,8 +3726,8 @@
         </p:blipFill>
         <p:spPr>
           <a:xfrm>
-            <a:off x="2053740" y="1692071"/>
-            <a:ext cx="14188583" cy="7002158"/>
+            <a:off x="760552" y="1819535"/>
+            <a:ext cx="16667814" cy="7324869"/>
           </a:xfrm>
           <a:prstGeom prst="rect">
             <a:avLst/>

--- a/public/pdf/demo.pptx
+++ b/public/pdf/demo.pptx
@@ -3615,7 +3615,7 @@
     <p:bg>
       <p:bgPr>
         <a:solidFill>
-          <a:srgbClr val="42D44C"/>
+          <a:srgbClr val="D47434"/>
         </a:solidFill>
         <a:effectLst/>
       </p:bgPr>
@@ -3706,7 +3706,7 @@
       </p:grpSpPr>
       <p:pic>
         <p:nvPicPr>
-          <p:cNvPr id="6" name="Picture 5" descr="gfhdjhkgjk.png"/>
+          <p:cNvPr id="2" name="Picture 1" descr="photo pricing.png"/>
           <p:cNvPicPr>
             <a:picLocks noChangeAspect="1"/>
           </p:cNvPicPr>
@@ -3726,8 +3726,8 @@
         </p:blipFill>
         <p:spPr>
           <a:xfrm>
-            <a:off x="760552" y="1819535"/>
-            <a:ext cx="16667814" cy="7324869"/>
+            <a:off x="848945" y="1773167"/>
+            <a:ext cx="16326895" cy="7175049"/>
           </a:xfrm>
           <a:prstGeom prst="rect">
             <a:avLst/>
